--- a/ppt 16-9/1172.光明之岸.pptx
+++ b/ppt 16-9/1172.光明之岸.pptx
@@ -5,7 +5,7 @@
     <p:sldMasterId id="2147483648" r:id="rId1"/>
   </p:sldMasterIdLst>
   <p:sldIdLst>
-    <p:sldId id="682" r:id="rId2"/>
+    <p:sldId id="683" r:id="rId2"/>
   </p:sldIdLst>
   <p:sldSz cx="12192000" cy="6858000"/>
   <p:notesSz cx="6858000" cy="9144000"/>
@@ -129,7 +129,7 @@
           <p:cNvPr id="2" name="标题 1">
             <a:extLst>
               <a:ext uri="{FF2B5EF4-FFF2-40B4-BE49-F238E27FC236}">
-                <a16:creationId xmlns:a16="http://schemas.microsoft.com/office/drawing/2014/main" id="{5F880DE1-D585-EDFA-EDAB-759DC95346A4}"/>
+                <a16:creationId xmlns:a16="http://schemas.microsoft.com/office/drawing/2014/main" id="{3CF865B7-8150-2712-23FF-AF1D42800E18}"/>
               </a:ext>
             </a:extLst>
           </p:cNvPr>
@@ -166,7 +166,7 @@
           <p:cNvPr id="3" name="副标题 2">
             <a:extLst>
               <a:ext uri="{FF2B5EF4-FFF2-40B4-BE49-F238E27FC236}">
-                <a16:creationId xmlns:a16="http://schemas.microsoft.com/office/drawing/2014/main" id="{CA869913-E5B2-DEFC-82C2-DCFB43D97758}"/>
+                <a16:creationId xmlns:a16="http://schemas.microsoft.com/office/drawing/2014/main" id="{179EFA23-0367-67EE-C451-0A044805E2A5}"/>
               </a:ext>
             </a:extLst>
           </p:cNvPr>
@@ -236,7 +236,7 @@
           <p:cNvPr id="4" name="日期占位符 3">
             <a:extLst>
               <a:ext uri="{FF2B5EF4-FFF2-40B4-BE49-F238E27FC236}">
-                <a16:creationId xmlns:a16="http://schemas.microsoft.com/office/drawing/2014/main" id="{D621A306-C541-F7CD-610D-F764E30FC086}"/>
+                <a16:creationId xmlns:a16="http://schemas.microsoft.com/office/drawing/2014/main" id="{46096C62-2736-391B-C7BF-3F66657ED492}"/>
               </a:ext>
             </a:extLst>
           </p:cNvPr>
@@ -252,7 +252,7 @@
           <a:bodyPr/>
           <a:lstStyle/>
           <a:p>
-            <a:fld id="{C9DC0628-6D59-4F44-844F-EAE09ECD3395}" type="datetimeFigureOut">
+            <a:fld id="{62DB1A4F-D857-4C62-AB3A-87785D72CEFE}" type="datetimeFigureOut">
               <a:rPr lang="zh-CN" altLang="en-US" smtClean="0"/>
               <a:t>2024/3/10</a:t>
             </a:fld>
@@ -265,7 +265,7 @@
           <p:cNvPr id="5" name="页脚占位符 4">
             <a:extLst>
               <a:ext uri="{FF2B5EF4-FFF2-40B4-BE49-F238E27FC236}">
-                <a16:creationId xmlns:a16="http://schemas.microsoft.com/office/drawing/2014/main" id="{FEB2A02D-D35D-F285-21C6-A70E1E5AA390}"/>
+                <a16:creationId xmlns:a16="http://schemas.microsoft.com/office/drawing/2014/main" id="{81E9FC47-E2A6-EEF9-E7A4-01689FD526FF}"/>
               </a:ext>
             </a:extLst>
           </p:cNvPr>
@@ -290,7 +290,7 @@
           <p:cNvPr id="6" name="灯片编号占位符 5">
             <a:extLst>
               <a:ext uri="{FF2B5EF4-FFF2-40B4-BE49-F238E27FC236}">
-                <a16:creationId xmlns:a16="http://schemas.microsoft.com/office/drawing/2014/main" id="{964B4CF4-0AC9-6C09-0A14-B20CD3BEB5BE}"/>
+                <a16:creationId xmlns:a16="http://schemas.microsoft.com/office/drawing/2014/main" id="{A8C4C203-B768-3918-99B8-E086FF28FAFA}"/>
               </a:ext>
             </a:extLst>
           </p:cNvPr>
@@ -306,7 +306,7 @@
           <a:bodyPr/>
           <a:lstStyle/>
           <a:p>
-            <a:fld id="{D90D35FD-1092-4F8D-B25D-BE15C750813E}" type="slidenum">
+            <a:fld id="{B738935C-B800-47BF-A36F-1A7E28A967F9}" type="slidenum">
               <a:rPr lang="zh-CN" altLang="en-US" smtClean="0"/>
               <a:t>‹#›</a:t>
             </a:fld>
@@ -317,7 +317,7 @@
     </p:spTree>
     <p:extLst>
       <p:ext uri="{BB962C8B-B14F-4D97-AF65-F5344CB8AC3E}">
-        <p14:creationId xmlns:p14="http://schemas.microsoft.com/office/powerpoint/2010/main" val="3023617359"/>
+        <p14:creationId xmlns:p14="http://schemas.microsoft.com/office/powerpoint/2010/main" val="4150875619"/>
       </p:ext>
     </p:extLst>
   </p:cSld>
@@ -349,7 +349,7 @@
           <p:cNvPr id="2" name="标题 1">
             <a:extLst>
               <a:ext uri="{FF2B5EF4-FFF2-40B4-BE49-F238E27FC236}">
-                <a16:creationId xmlns:a16="http://schemas.microsoft.com/office/drawing/2014/main" id="{FA2A9601-5E8A-D18E-2A59-45B843CC8DC8}"/>
+                <a16:creationId xmlns:a16="http://schemas.microsoft.com/office/drawing/2014/main" id="{112D62DC-85FD-8528-5C27-97CAB5D2D6AC}"/>
               </a:ext>
             </a:extLst>
           </p:cNvPr>
@@ -377,7 +377,7 @@
           <p:cNvPr id="3" name="竖排文字占位符 2">
             <a:extLst>
               <a:ext uri="{FF2B5EF4-FFF2-40B4-BE49-F238E27FC236}">
-                <a16:creationId xmlns:a16="http://schemas.microsoft.com/office/drawing/2014/main" id="{F39A3D6E-C504-BFAF-8BCC-A6C242F77125}"/>
+                <a16:creationId xmlns:a16="http://schemas.microsoft.com/office/drawing/2014/main" id="{1FFDA984-79C0-41F3-9071-F9CC83A9D86E}"/>
               </a:ext>
             </a:extLst>
           </p:cNvPr>
@@ -434,7 +434,7 @@
           <p:cNvPr id="4" name="日期占位符 3">
             <a:extLst>
               <a:ext uri="{FF2B5EF4-FFF2-40B4-BE49-F238E27FC236}">
-                <a16:creationId xmlns:a16="http://schemas.microsoft.com/office/drawing/2014/main" id="{3B484060-381D-4914-7CFD-887EE5AFC49A}"/>
+                <a16:creationId xmlns:a16="http://schemas.microsoft.com/office/drawing/2014/main" id="{2C93E432-E0E4-F918-E202-A6E2B60521FC}"/>
               </a:ext>
             </a:extLst>
           </p:cNvPr>
@@ -450,7 +450,7 @@
           <a:bodyPr/>
           <a:lstStyle/>
           <a:p>
-            <a:fld id="{C9DC0628-6D59-4F44-844F-EAE09ECD3395}" type="datetimeFigureOut">
+            <a:fld id="{62DB1A4F-D857-4C62-AB3A-87785D72CEFE}" type="datetimeFigureOut">
               <a:rPr lang="zh-CN" altLang="en-US" smtClean="0"/>
               <a:t>2024/3/10</a:t>
             </a:fld>
@@ -463,7 +463,7 @@
           <p:cNvPr id="5" name="页脚占位符 4">
             <a:extLst>
               <a:ext uri="{FF2B5EF4-FFF2-40B4-BE49-F238E27FC236}">
-                <a16:creationId xmlns:a16="http://schemas.microsoft.com/office/drawing/2014/main" id="{02EE7677-62A7-0EB1-54E2-FCEF1CE0FCDD}"/>
+                <a16:creationId xmlns:a16="http://schemas.microsoft.com/office/drawing/2014/main" id="{C2DB3876-8F61-8E3D-83D2-EA066B8E7895}"/>
               </a:ext>
             </a:extLst>
           </p:cNvPr>
@@ -488,7 +488,7 @@
           <p:cNvPr id="6" name="灯片编号占位符 5">
             <a:extLst>
               <a:ext uri="{FF2B5EF4-FFF2-40B4-BE49-F238E27FC236}">
-                <a16:creationId xmlns:a16="http://schemas.microsoft.com/office/drawing/2014/main" id="{C24B92BB-0364-D016-E529-3483AB81DD03}"/>
+                <a16:creationId xmlns:a16="http://schemas.microsoft.com/office/drawing/2014/main" id="{F9C07EE2-DA2D-5ECF-E021-66E30951AB59}"/>
               </a:ext>
             </a:extLst>
           </p:cNvPr>
@@ -504,7 +504,7 @@
           <a:bodyPr/>
           <a:lstStyle/>
           <a:p>
-            <a:fld id="{D90D35FD-1092-4F8D-B25D-BE15C750813E}" type="slidenum">
+            <a:fld id="{B738935C-B800-47BF-A36F-1A7E28A967F9}" type="slidenum">
               <a:rPr lang="zh-CN" altLang="en-US" smtClean="0"/>
               <a:t>‹#›</a:t>
             </a:fld>
@@ -515,7 +515,7 @@
     </p:spTree>
     <p:extLst>
       <p:ext uri="{BB962C8B-B14F-4D97-AF65-F5344CB8AC3E}">
-        <p14:creationId xmlns:p14="http://schemas.microsoft.com/office/powerpoint/2010/main" val="417191839"/>
+        <p14:creationId xmlns:p14="http://schemas.microsoft.com/office/powerpoint/2010/main" val="3439045224"/>
       </p:ext>
     </p:extLst>
   </p:cSld>
@@ -547,7 +547,7 @@
           <p:cNvPr id="2" name="竖排标题 1">
             <a:extLst>
               <a:ext uri="{FF2B5EF4-FFF2-40B4-BE49-F238E27FC236}">
-                <a16:creationId xmlns:a16="http://schemas.microsoft.com/office/drawing/2014/main" id="{B2DABE63-10ED-3E0E-8319-61299AD1CB81}"/>
+                <a16:creationId xmlns:a16="http://schemas.microsoft.com/office/drawing/2014/main" id="{D240F0DE-52AF-0895-96F1-CCBD17CFAB76}"/>
               </a:ext>
             </a:extLst>
           </p:cNvPr>
@@ -580,7 +580,7 @@
           <p:cNvPr id="3" name="竖排文字占位符 2">
             <a:extLst>
               <a:ext uri="{FF2B5EF4-FFF2-40B4-BE49-F238E27FC236}">
-                <a16:creationId xmlns:a16="http://schemas.microsoft.com/office/drawing/2014/main" id="{B3BB7EE7-FD70-3FD9-0769-1117971DAE61}"/>
+                <a16:creationId xmlns:a16="http://schemas.microsoft.com/office/drawing/2014/main" id="{27A2A8FC-FBEA-B249-AD2D-BB6390D37B02}"/>
               </a:ext>
             </a:extLst>
           </p:cNvPr>
@@ -642,7 +642,7 @@
           <p:cNvPr id="4" name="日期占位符 3">
             <a:extLst>
               <a:ext uri="{FF2B5EF4-FFF2-40B4-BE49-F238E27FC236}">
-                <a16:creationId xmlns:a16="http://schemas.microsoft.com/office/drawing/2014/main" id="{14351BF2-89C0-7CC4-C55D-5C949525C7E6}"/>
+                <a16:creationId xmlns:a16="http://schemas.microsoft.com/office/drawing/2014/main" id="{F06CCEC1-E072-A9C5-16DC-22D5897A1EB1}"/>
               </a:ext>
             </a:extLst>
           </p:cNvPr>
@@ -658,7 +658,7 @@
           <a:bodyPr/>
           <a:lstStyle/>
           <a:p>
-            <a:fld id="{C9DC0628-6D59-4F44-844F-EAE09ECD3395}" type="datetimeFigureOut">
+            <a:fld id="{62DB1A4F-D857-4C62-AB3A-87785D72CEFE}" type="datetimeFigureOut">
               <a:rPr lang="zh-CN" altLang="en-US" smtClean="0"/>
               <a:t>2024/3/10</a:t>
             </a:fld>
@@ -671,7 +671,7 @@
           <p:cNvPr id="5" name="页脚占位符 4">
             <a:extLst>
               <a:ext uri="{FF2B5EF4-FFF2-40B4-BE49-F238E27FC236}">
-                <a16:creationId xmlns:a16="http://schemas.microsoft.com/office/drawing/2014/main" id="{3C2BBCE3-A6EA-8610-6E78-771A5D078565}"/>
+                <a16:creationId xmlns:a16="http://schemas.microsoft.com/office/drawing/2014/main" id="{0A060E95-02E3-A08E-8F21-264953C4BD75}"/>
               </a:ext>
             </a:extLst>
           </p:cNvPr>
@@ -696,7 +696,7 @@
           <p:cNvPr id="6" name="灯片编号占位符 5">
             <a:extLst>
               <a:ext uri="{FF2B5EF4-FFF2-40B4-BE49-F238E27FC236}">
-                <a16:creationId xmlns:a16="http://schemas.microsoft.com/office/drawing/2014/main" id="{C1BC3E9D-840A-E40C-9F89-87591CDD7C2B}"/>
+                <a16:creationId xmlns:a16="http://schemas.microsoft.com/office/drawing/2014/main" id="{3EEC9ED3-28A2-3295-AA17-40A7DB23EF16}"/>
               </a:ext>
             </a:extLst>
           </p:cNvPr>
@@ -712,7 +712,7 @@
           <a:bodyPr/>
           <a:lstStyle/>
           <a:p>
-            <a:fld id="{D90D35FD-1092-4F8D-B25D-BE15C750813E}" type="slidenum">
+            <a:fld id="{B738935C-B800-47BF-A36F-1A7E28A967F9}" type="slidenum">
               <a:rPr lang="zh-CN" altLang="en-US" smtClean="0"/>
               <a:t>‹#›</a:t>
             </a:fld>
@@ -723,7 +723,7 @@
     </p:spTree>
     <p:extLst>
       <p:ext uri="{BB962C8B-B14F-4D97-AF65-F5344CB8AC3E}">
-        <p14:creationId xmlns:p14="http://schemas.microsoft.com/office/powerpoint/2010/main" val="1918341769"/>
+        <p14:creationId xmlns:p14="http://schemas.microsoft.com/office/powerpoint/2010/main" val="1208392799"/>
       </p:ext>
     </p:extLst>
   </p:cSld>
@@ -755,7 +755,7 @@
           <p:cNvPr id="2" name="标题 1">
             <a:extLst>
               <a:ext uri="{FF2B5EF4-FFF2-40B4-BE49-F238E27FC236}">
-                <a16:creationId xmlns:a16="http://schemas.microsoft.com/office/drawing/2014/main" id="{1AC9AFD2-7DBE-494A-E24B-8E6BC50861D2}"/>
+                <a16:creationId xmlns:a16="http://schemas.microsoft.com/office/drawing/2014/main" id="{44A67FBD-937E-1A24-911D-152D1D0B078F}"/>
               </a:ext>
             </a:extLst>
           </p:cNvPr>
@@ -783,7 +783,7 @@
           <p:cNvPr id="3" name="内容占位符 2">
             <a:extLst>
               <a:ext uri="{FF2B5EF4-FFF2-40B4-BE49-F238E27FC236}">
-                <a16:creationId xmlns:a16="http://schemas.microsoft.com/office/drawing/2014/main" id="{D20CCB6E-D78A-AF86-4C4A-EC6F4D8704A4}"/>
+                <a16:creationId xmlns:a16="http://schemas.microsoft.com/office/drawing/2014/main" id="{9DF3CA05-F7B7-80F5-2022-826B6885EFEC}"/>
               </a:ext>
             </a:extLst>
           </p:cNvPr>
@@ -840,7 +840,7 @@
           <p:cNvPr id="4" name="日期占位符 3">
             <a:extLst>
               <a:ext uri="{FF2B5EF4-FFF2-40B4-BE49-F238E27FC236}">
-                <a16:creationId xmlns:a16="http://schemas.microsoft.com/office/drawing/2014/main" id="{D62755E3-7603-B7E5-A8E7-48BFD315ED81}"/>
+                <a16:creationId xmlns:a16="http://schemas.microsoft.com/office/drawing/2014/main" id="{59CC39F2-CFA5-F15A-834D-F03652747982}"/>
               </a:ext>
             </a:extLst>
           </p:cNvPr>
@@ -856,7 +856,7 @@
           <a:bodyPr/>
           <a:lstStyle/>
           <a:p>
-            <a:fld id="{C9DC0628-6D59-4F44-844F-EAE09ECD3395}" type="datetimeFigureOut">
+            <a:fld id="{62DB1A4F-D857-4C62-AB3A-87785D72CEFE}" type="datetimeFigureOut">
               <a:rPr lang="zh-CN" altLang="en-US" smtClean="0"/>
               <a:t>2024/3/10</a:t>
             </a:fld>
@@ -869,7 +869,7 @@
           <p:cNvPr id="5" name="页脚占位符 4">
             <a:extLst>
               <a:ext uri="{FF2B5EF4-FFF2-40B4-BE49-F238E27FC236}">
-                <a16:creationId xmlns:a16="http://schemas.microsoft.com/office/drawing/2014/main" id="{8E1F55BC-98B3-CFFF-8116-9CECC473A582}"/>
+                <a16:creationId xmlns:a16="http://schemas.microsoft.com/office/drawing/2014/main" id="{18673AA3-CC53-5A43-B354-6ADC195368D6}"/>
               </a:ext>
             </a:extLst>
           </p:cNvPr>
@@ -894,7 +894,7 @@
           <p:cNvPr id="6" name="灯片编号占位符 5">
             <a:extLst>
               <a:ext uri="{FF2B5EF4-FFF2-40B4-BE49-F238E27FC236}">
-                <a16:creationId xmlns:a16="http://schemas.microsoft.com/office/drawing/2014/main" id="{747FDFE1-ABDF-69AF-2823-6D1B1BD4D00B}"/>
+                <a16:creationId xmlns:a16="http://schemas.microsoft.com/office/drawing/2014/main" id="{4D7F7386-B724-E597-139A-EFBA084AE20E}"/>
               </a:ext>
             </a:extLst>
           </p:cNvPr>
@@ -910,7 +910,7 @@
           <a:bodyPr/>
           <a:lstStyle/>
           <a:p>
-            <a:fld id="{D90D35FD-1092-4F8D-B25D-BE15C750813E}" type="slidenum">
+            <a:fld id="{B738935C-B800-47BF-A36F-1A7E28A967F9}" type="slidenum">
               <a:rPr lang="zh-CN" altLang="en-US" smtClean="0"/>
               <a:t>‹#›</a:t>
             </a:fld>
@@ -921,7 +921,7 @@
     </p:spTree>
     <p:extLst>
       <p:ext uri="{BB962C8B-B14F-4D97-AF65-F5344CB8AC3E}">
-        <p14:creationId xmlns:p14="http://schemas.microsoft.com/office/powerpoint/2010/main" val="1940349049"/>
+        <p14:creationId xmlns:p14="http://schemas.microsoft.com/office/powerpoint/2010/main" val="444946214"/>
       </p:ext>
     </p:extLst>
   </p:cSld>
@@ -953,7 +953,7 @@
           <p:cNvPr id="2" name="标题 1">
             <a:extLst>
               <a:ext uri="{FF2B5EF4-FFF2-40B4-BE49-F238E27FC236}">
-                <a16:creationId xmlns:a16="http://schemas.microsoft.com/office/drawing/2014/main" id="{41BF0895-9E12-617E-A760-7FBA2B46239F}"/>
+                <a16:creationId xmlns:a16="http://schemas.microsoft.com/office/drawing/2014/main" id="{492A2B0E-AB80-CD32-C7A6-B6FDEAA777E8}"/>
               </a:ext>
             </a:extLst>
           </p:cNvPr>
@@ -990,7 +990,7 @@
           <p:cNvPr id="3" name="文本占位符 2">
             <a:extLst>
               <a:ext uri="{FF2B5EF4-FFF2-40B4-BE49-F238E27FC236}">
-                <a16:creationId xmlns:a16="http://schemas.microsoft.com/office/drawing/2014/main" id="{22663511-23C3-C078-E1D4-02C55242E2F6}"/>
+                <a16:creationId xmlns:a16="http://schemas.microsoft.com/office/drawing/2014/main" id="{23CF1EC2-CDC5-E49B-C050-BC36C467AD93}"/>
               </a:ext>
             </a:extLst>
           </p:cNvPr>
@@ -1115,7 +1115,7 @@
           <p:cNvPr id="4" name="日期占位符 3">
             <a:extLst>
               <a:ext uri="{FF2B5EF4-FFF2-40B4-BE49-F238E27FC236}">
-                <a16:creationId xmlns:a16="http://schemas.microsoft.com/office/drawing/2014/main" id="{319A59C8-DF05-98D5-0B5C-5BC3B5E9A938}"/>
+                <a16:creationId xmlns:a16="http://schemas.microsoft.com/office/drawing/2014/main" id="{9CDF3BEA-C9C2-AE60-826F-C0B401548E87}"/>
               </a:ext>
             </a:extLst>
           </p:cNvPr>
@@ -1131,7 +1131,7 @@
           <a:bodyPr/>
           <a:lstStyle/>
           <a:p>
-            <a:fld id="{C9DC0628-6D59-4F44-844F-EAE09ECD3395}" type="datetimeFigureOut">
+            <a:fld id="{62DB1A4F-D857-4C62-AB3A-87785D72CEFE}" type="datetimeFigureOut">
               <a:rPr lang="zh-CN" altLang="en-US" smtClean="0"/>
               <a:t>2024/3/10</a:t>
             </a:fld>
@@ -1144,7 +1144,7 @@
           <p:cNvPr id="5" name="页脚占位符 4">
             <a:extLst>
               <a:ext uri="{FF2B5EF4-FFF2-40B4-BE49-F238E27FC236}">
-                <a16:creationId xmlns:a16="http://schemas.microsoft.com/office/drawing/2014/main" id="{315F3E44-09A6-B4EF-853C-4D2C1A873A90}"/>
+                <a16:creationId xmlns:a16="http://schemas.microsoft.com/office/drawing/2014/main" id="{C9F1F2FC-ED4F-DD2B-0C86-07FD1D0046F5}"/>
               </a:ext>
             </a:extLst>
           </p:cNvPr>
@@ -1169,7 +1169,7 @@
           <p:cNvPr id="6" name="灯片编号占位符 5">
             <a:extLst>
               <a:ext uri="{FF2B5EF4-FFF2-40B4-BE49-F238E27FC236}">
-                <a16:creationId xmlns:a16="http://schemas.microsoft.com/office/drawing/2014/main" id="{D400B221-AF76-78EC-1837-E39745BB5492}"/>
+                <a16:creationId xmlns:a16="http://schemas.microsoft.com/office/drawing/2014/main" id="{A17C2D46-5978-4D09-8CE1-AB8990BD040D}"/>
               </a:ext>
             </a:extLst>
           </p:cNvPr>
@@ -1185,7 +1185,7 @@
           <a:bodyPr/>
           <a:lstStyle/>
           <a:p>
-            <a:fld id="{D90D35FD-1092-4F8D-B25D-BE15C750813E}" type="slidenum">
+            <a:fld id="{B738935C-B800-47BF-A36F-1A7E28A967F9}" type="slidenum">
               <a:rPr lang="zh-CN" altLang="en-US" smtClean="0"/>
               <a:t>‹#›</a:t>
             </a:fld>
@@ -1196,7 +1196,7 @@
     </p:spTree>
     <p:extLst>
       <p:ext uri="{BB962C8B-B14F-4D97-AF65-F5344CB8AC3E}">
-        <p14:creationId xmlns:p14="http://schemas.microsoft.com/office/powerpoint/2010/main" val="3007250592"/>
+        <p14:creationId xmlns:p14="http://schemas.microsoft.com/office/powerpoint/2010/main" val="3886992138"/>
       </p:ext>
     </p:extLst>
   </p:cSld>
@@ -1228,7 +1228,7 @@
           <p:cNvPr id="2" name="标题 1">
             <a:extLst>
               <a:ext uri="{FF2B5EF4-FFF2-40B4-BE49-F238E27FC236}">
-                <a16:creationId xmlns:a16="http://schemas.microsoft.com/office/drawing/2014/main" id="{2C442C49-308E-A350-AA33-BB59A743D737}"/>
+                <a16:creationId xmlns:a16="http://schemas.microsoft.com/office/drawing/2014/main" id="{0659F7A3-5746-F90D-0EC7-5B524A1E1788}"/>
               </a:ext>
             </a:extLst>
           </p:cNvPr>
@@ -1256,7 +1256,7 @@
           <p:cNvPr id="3" name="内容占位符 2">
             <a:extLst>
               <a:ext uri="{FF2B5EF4-FFF2-40B4-BE49-F238E27FC236}">
-                <a16:creationId xmlns:a16="http://schemas.microsoft.com/office/drawing/2014/main" id="{71D62C38-6340-8861-BD0F-32EB8F22BCA0}"/>
+                <a16:creationId xmlns:a16="http://schemas.microsoft.com/office/drawing/2014/main" id="{782802B8-6AF5-C56F-3E05-EE3B8B0F2F0A}"/>
               </a:ext>
             </a:extLst>
           </p:cNvPr>
@@ -1318,7 +1318,7 @@
           <p:cNvPr id="4" name="内容占位符 3">
             <a:extLst>
               <a:ext uri="{FF2B5EF4-FFF2-40B4-BE49-F238E27FC236}">
-                <a16:creationId xmlns:a16="http://schemas.microsoft.com/office/drawing/2014/main" id="{432A3A27-7EBA-B1D5-1E02-6DCAC5034C25}"/>
+                <a16:creationId xmlns:a16="http://schemas.microsoft.com/office/drawing/2014/main" id="{449D5747-FFC2-5C60-CA58-D02341D89432}"/>
               </a:ext>
             </a:extLst>
           </p:cNvPr>
@@ -1380,7 +1380,7 @@
           <p:cNvPr id="5" name="日期占位符 4">
             <a:extLst>
               <a:ext uri="{FF2B5EF4-FFF2-40B4-BE49-F238E27FC236}">
-                <a16:creationId xmlns:a16="http://schemas.microsoft.com/office/drawing/2014/main" id="{AFA13C4D-EF83-DBDB-B431-E1BE95869EE0}"/>
+                <a16:creationId xmlns:a16="http://schemas.microsoft.com/office/drawing/2014/main" id="{8E26E241-AC46-61E8-CC88-B0A6FD254B1B}"/>
               </a:ext>
             </a:extLst>
           </p:cNvPr>
@@ -1396,7 +1396,7 @@
           <a:bodyPr/>
           <a:lstStyle/>
           <a:p>
-            <a:fld id="{C9DC0628-6D59-4F44-844F-EAE09ECD3395}" type="datetimeFigureOut">
+            <a:fld id="{62DB1A4F-D857-4C62-AB3A-87785D72CEFE}" type="datetimeFigureOut">
               <a:rPr lang="zh-CN" altLang="en-US" smtClean="0"/>
               <a:t>2024/3/10</a:t>
             </a:fld>
@@ -1409,7 +1409,7 @@
           <p:cNvPr id="6" name="页脚占位符 5">
             <a:extLst>
               <a:ext uri="{FF2B5EF4-FFF2-40B4-BE49-F238E27FC236}">
-                <a16:creationId xmlns:a16="http://schemas.microsoft.com/office/drawing/2014/main" id="{5475E804-57DE-2130-3471-9D576FC4EADC}"/>
+                <a16:creationId xmlns:a16="http://schemas.microsoft.com/office/drawing/2014/main" id="{54538F23-CC10-89A5-90A0-23ABFDC3C115}"/>
               </a:ext>
             </a:extLst>
           </p:cNvPr>
@@ -1434,7 +1434,7 @@
           <p:cNvPr id="7" name="灯片编号占位符 6">
             <a:extLst>
               <a:ext uri="{FF2B5EF4-FFF2-40B4-BE49-F238E27FC236}">
-                <a16:creationId xmlns:a16="http://schemas.microsoft.com/office/drawing/2014/main" id="{B6E4B985-3A61-9921-230E-1366AF62FA1D}"/>
+                <a16:creationId xmlns:a16="http://schemas.microsoft.com/office/drawing/2014/main" id="{9D9A930A-F2F1-7A15-4439-120182B33A72}"/>
               </a:ext>
             </a:extLst>
           </p:cNvPr>
@@ -1450,7 +1450,7 @@
           <a:bodyPr/>
           <a:lstStyle/>
           <a:p>
-            <a:fld id="{D90D35FD-1092-4F8D-B25D-BE15C750813E}" type="slidenum">
+            <a:fld id="{B738935C-B800-47BF-A36F-1A7E28A967F9}" type="slidenum">
               <a:rPr lang="zh-CN" altLang="en-US" smtClean="0"/>
               <a:t>‹#›</a:t>
             </a:fld>
@@ -1461,7 +1461,7 @@
     </p:spTree>
     <p:extLst>
       <p:ext uri="{BB962C8B-B14F-4D97-AF65-F5344CB8AC3E}">
-        <p14:creationId xmlns:p14="http://schemas.microsoft.com/office/powerpoint/2010/main" val="3696762580"/>
+        <p14:creationId xmlns:p14="http://schemas.microsoft.com/office/powerpoint/2010/main" val="3932739502"/>
       </p:ext>
     </p:extLst>
   </p:cSld>
@@ -1493,7 +1493,7 @@
           <p:cNvPr id="2" name="标题 1">
             <a:extLst>
               <a:ext uri="{FF2B5EF4-FFF2-40B4-BE49-F238E27FC236}">
-                <a16:creationId xmlns:a16="http://schemas.microsoft.com/office/drawing/2014/main" id="{5D679D66-B5FE-5642-FD70-3EC9891A4093}"/>
+                <a16:creationId xmlns:a16="http://schemas.microsoft.com/office/drawing/2014/main" id="{71B1B5BD-EB3A-BE76-E41C-C88803088B73}"/>
               </a:ext>
             </a:extLst>
           </p:cNvPr>
@@ -1526,7 +1526,7 @@
           <p:cNvPr id="3" name="文本占位符 2">
             <a:extLst>
               <a:ext uri="{FF2B5EF4-FFF2-40B4-BE49-F238E27FC236}">
-                <a16:creationId xmlns:a16="http://schemas.microsoft.com/office/drawing/2014/main" id="{433A2484-774B-4697-A776-BCC65AB20147}"/>
+                <a16:creationId xmlns:a16="http://schemas.microsoft.com/office/drawing/2014/main" id="{32066E0A-0E1C-7D9F-D6C1-DB9591714B99}"/>
               </a:ext>
             </a:extLst>
           </p:cNvPr>
@@ -1597,7 +1597,7 @@
           <p:cNvPr id="4" name="内容占位符 3">
             <a:extLst>
               <a:ext uri="{FF2B5EF4-FFF2-40B4-BE49-F238E27FC236}">
-                <a16:creationId xmlns:a16="http://schemas.microsoft.com/office/drawing/2014/main" id="{A82B1928-6F65-6F16-EFD8-2E0085F30EB5}"/>
+                <a16:creationId xmlns:a16="http://schemas.microsoft.com/office/drawing/2014/main" id="{FE6C4C78-B431-45E0-CE87-166D5916BD11}"/>
               </a:ext>
             </a:extLst>
           </p:cNvPr>
@@ -1659,7 +1659,7 @@
           <p:cNvPr id="5" name="文本占位符 4">
             <a:extLst>
               <a:ext uri="{FF2B5EF4-FFF2-40B4-BE49-F238E27FC236}">
-                <a16:creationId xmlns:a16="http://schemas.microsoft.com/office/drawing/2014/main" id="{1B7E1FD5-E042-7220-1166-57E2FE081645}"/>
+                <a16:creationId xmlns:a16="http://schemas.microsoft.com/office/drawing/2014/main" id="{CEFCCDAB-2863-404F-B981-8B30EA93E16D}"/>
               </a:ext>
             </a:extLst>
           </p:cNvPr>
@@ -1730,7 +1730,7 @@
           <p:cNvPr id="6" name="内容占位符 5">
             <a:extLst>
               <a:ext uri="{FF2B5EF4-FFF2-40B4-BE49-F238E27FC236}">
-                <a16:creationId xmlns:a16="http://schemas.microsoft.com/office/drawing/2014/main" id="{633E9C27-3E67-54D1-5E1F-DFA4E6261252}"/>
+                <a16:creationId xmlns:a16="http://schemas.microsoft.com/office/drawing/2014/main" id="{CE99E9AA-401C-97C5-F908-18157FBC2DF5}"/>
               </a:ext>
             </a:extLst>
           </p:cNvPr>
@@ -1792,7 +1792,7 @@
           <p:cNvPr id="7" name="日期占位符 6">
             <a:extLst>
               <a:ext uri="{FF2B5EF4-FFF2-40B4-BE49-F238E27FC236}">
-                <a16:creationId xmlns:a16="http://schemas.microsoft.com/office/drawing/2014/main" id="{BC64206B-36EA-2CB4-8C44-1DDA7DB7265E}"/>
+                <a16:creationId xmlns:a16="http://schemas.microsoft.com/office/drawing/2014/main" id="{A5FCDB46-B179-4550-2AC6-16F7BC9705A9}"/>
               </a:ext>
             </a:extLst>
           </p:cNvPr>
@@ -1808,7 +1808,7 @@
           <a:bodyPr/>
           <a:lstStyle/>
           <a:p>
-            <a:fld id="{C9DC0628-6D59-4F44-844F-EAE09ECD3395}" type="datetimeFigureOut">
+            <a:fld id="{62DB1A4F-D857-4C62-AB3A-87785D72CEFE}" type="datetimeFigureOut">
               <a:rPr lang="zh-CN" altLang="en-US" smtClean="0"/>
               <a:t>2024/3/10</a:t>
             </a:fld>
@@ -1821,7 +1821,7 @@
           <p:cNvPr id="8" name="页脚占位符 7">
             <a:extLst>
               <a:ext uri="{FF2B5EF4-FFF2-40B4-BE49-F238E27FC236}">
-                <a16:creationId xmlns:a16="http://schemas.microsoft.com/office/drawing/2014/main" id="{3A4D75B2-77F4-B414-9604-144F7918D546}"/>
+                <a16:creationId xmlns:a16="http://schemas.microsoft.com/office/drawing/2014/main" id="{9A0DB6E6-18ED-8864-5AF1-307BBD6DE291}"/>
               </a:ext>
             </a:extLst>
           </p:cNvPr>
@@ -1846,7 +1846,7 @@
           <p:cNvPr id="9" name="灯片编号占位符 8">
             <a:extLst>
               <a:ext uri="{FF2B5EF4-FFF2-40B4-BE49-F238E27FC236}">
-                <a16:creationId xmlns:a16="http://schemas.microsoft.com/office/drawing/2014/main" id="{9E765E6E-C392-08E1-F122-4E33D4978D8B}"/>
+                <a16:creationId xmlns:a16="http://schemas.microsoft.com/office/drawing/2014/main" id="{7B23A337-F1F4-C5F1-14DD-03770BC2C517}"/>
               </a:ext>
             </a:extLst>
           </p:cNvPr>
@@ -1862,7 +1862,7 @@
           <a:bodyPr/>
           <a:lstStyle/>
           <a:p>
-            <a:fld id="{D90D35FD-1092-4F8D-B25D-BE15C750813E}" type="slidenum">
+            <a:fld id="{B738935C-B800-47BF-A36F-1A7E28A967F9}" type="slidenum">
               <a:rPr lang="zh-CN" altLang="en-US" smtClean="0"/>
               <a:t>‹#›</a:t>
             </a:fld>
@@ -1873,7 +1873,7 @@
     </p:spTree>
     <p:extLst>
       <p:ext uri="{BB962C8B-B14F-4D97-AF65-F5344CB8AC3E}">
-        <p14:creationId xmlns:p14="http://schemas.microsoft.com/office/powerpoint/2010/main" val="1731324558"/>
+        <p14:creationId xmlns:p14="http://schemas.microsoft.com/office/powerpoint/2010/main" val="3821302618"/>
       </p:ext>
     </p:extLst>
   </p:cSld>
@@ -1905,7 +1905,7 @@
           <p:cNvPr id="2" name="标题 1">
             <a:extLst>
               <a:ext uri="{FF2B5EF4-FFF2-40B4-BE49-F238E27FC236}">
-                <a16:creationId xmlns:a16="http://schemas.microsoft.com/office/drawing/2014/main" id="{CBB01565-4141-4439-FDA3-83A634279F0E}"/>
+                <a16:creationId xmlns:a16="http://schemas.microsoft.com/office/drawing/2014/main" id="{BB039AB2-3B10-7709-DED7-5E7B8E2586B0}"/>
               </a:ext>
             </a:extLst>
           </p:cNvPr>
@@ -1933,7 +1933,7 @@
           <p:cNvPr id="3" name="日期占位符 2">
             <a:extLst>
               <a:ext uri="{FF2B5EF4-FFF2-40B4-BE49-F238E27FC236}">
-                <a16:creationId xmlns:a16="http://schemas.microsoft.com/office/drawing/2014/main" id="{0D63DA6B-3355-D096-93D8-76EC77CC1A10}"/>
+                <a16:creationId xmlns:a16="http://schemas.microsoft.com/office/drawing/2014/main" id="{E5A152BE-EFE9-806D-72C6-46C416A42E69}"/>
               </a:ext>
             </a:extLst>
           </p:cNvPr>
@@ -1949,7 +1949,7 @@
           <a:bodyPr/>
           <a:lstStyle/>
           <a:p>
-            <a:fld id="{C9DC0628-6D59-4F44-844F-EAE09ECD3395}" type="datetimeFigureOut">
+            <a:fld id="{62DB1A4F-D857-4C62-AB3A-87785D72CEFE}" type="datetimeFigureOut">
               <a:rPr lang="zh-CN" altLang="en-US" smtClean="0"/>
               <a:t>2024/3/10</a:t>
             </a:fld>
@@ -1962,7 +1962,7 @@
           <p:cNvPr id="4" name="页脚占位符 3">
             <a:extLst>
               <a:ext uri="{FF2B5EF4-FFF2-40B4-BE49-F238E27FC236}">
-                <a16:creationId xmlns:a16="http://schemas.microsoft.com/office/drawing/2014/main" id="{D5F58369-9D43-8C36-BB5F-6C3A3CB174F6}"/>
+                <a16:creationId xmlns:a16="http://schemas.microsoft.com/office/drawing/2014/main" id="{CF7223A6-3337-4967-5D97-FED9B987A2FE}"/>
               </a:ext>
             </a:extLst>
           </p:cNvPr>
@@ -1987,7 +1987,7 @@
           <p:cNvPr id="5" name="灯片编号占位符 4">
             <a:extLst>
               <a:ext uri="{FF2B5EF4-FFF2-40B4-BE49-F238E27FC236}">
-                <a16:creationId xmlns:a16="http://schemas.microsoft.com/office/drawing/2014/main" id="{084657E5-2D57-A89F-3DA2-EEBAF34A614D}"/>
+                <a16:creationId xmlns:a16="http://schemas.microsoft.com/office/drawing/2014/main" id="{6A8D03CE-D9B8-7884-E855-D7D90E956B6E}"/>
               </a:ext>
             </a:extLst>
           </p:cNvPr>
@@ -2003,7 +2003,7 @@
           <a:bodyPr/>
           <a:lstStyle/>
           <a:p>
-            <a:fld id="{D90D35FD-1092-4F8D-B25D-BE15C750813E}" type="slidenum">
+            <a:fld id="{B738935C-B800-47BF-A36F-1A7E28A967F9}" type="slidenum">
               <a:rPr lang="zh-CN" altLang="en-US" smtClean="0"/>
               <a:t>‹#›</a:t>
             </a:fld>
@@ -2014,7 +2014,7 @@
     </p:spTree>
     <p:extLst>
       <p:ext uri="{BB962C8B-B14F-4D97-AF65-F5344CB8AC3E}">
-        <p14:creationId xmlns:p14="http://schemas.microsoft.com/office/powerpoint/2010/main" val="969491489"/>
+        <p14:creationId xmlns:p14="http://schemas.microsoft.com/office/powerpoint/2010/main" val="3663860167"/>
       </p:ext>
     </p:extLst>
   </p:cSld>
@@ -2046,7 +2046,7 @@
           <p:cNvPr id="2" name="日期占位符 1">
             <a:extLst>
               <a:ext uri="{FF2B5EF4-FFF2-40B4-BE49-F238E27FC236}">
-                <a16:creationId xmlns:a16="http://schemas.microsoft.com/office/drawing/2014/main" id="{EBBD3A3C-476D-5A4D-F918-7A785F927666}"/>
+                <a16:creationId xmlns:a16="http://schemas.microsoft.com/office/drawing/2014/main" id="{F9FED81A-177C-8337-56BD-56C319621E1E}"/>
               </a:ext>
             </a:extLst>
           </p:cNvPr>
@@ -2062,7 +2062,7 @@
           <a:bodyPr/>
           <a:lstStyle/>
           <a:p>
-            <a:fld id="{C9DC0628-6D59-4F44-844F-EAE09ECD3395}" type="datetimeFigureOut">
+            <a:fld id="{62DB1A4F-D857-4C62-AB3A-87785D72CEFE}" type="datetimeFigureOut">
               <a:rPr lang="zh-CN" altLang="en-US" smtClean="0"/>
               <a:t>2024/3/10</a:t>
             </a:fld>
@@ -2075,7 +2075,7 @@
           <p:cNvPr id="3" name="页脚占位符 2">
             <a:extLst>
               <a:ext uri="{FF2B5EF4-FFF2-40B4-BE49-F238E27FC236}">
-                <a16:creationId xmlns:a16="http://schemas.microsoft.com/office/drawing/2014/main" id="{BBFF9302-5103-49D3-7557-C1139D6226E5}"/>
+                <a16:creationId xmlns:a16="http://schemas.microsoft.com/office/drawing/2014/main" id="{041BBAAA-C27E-8336-56CB-F1AC58F43F77}"/>
               </a:ext>
             </a:extLst>
           </p:cNvPr>
@@ -2100,7 +2100,7 @@
           <p:cNvPr id="4" name="灯片编号占位符 3">
             <a:extLst>
               <a:ext uri="{FF2B5EF4-FFF2-40B4-BE49-F238E27FC236}">
-                <a16:creationId xmlns:a16="http://schemas.microsoft.com/office/drawing/2014/main" id="{831121B5-71AF-07E4-4619-3D564DC8590F}"/>
+                <a16:creationId xmlns:a16="http://schemas.microsoft.com/office/drawing/2014/main" id="{F4C64B2F-AB98-5D84-C173-D4B0D77A3D55}"/>
               </a:ext>
             </a:extLst>
           </p:cNvPr>
@@ -2116,7 +2116,7 @@
           <a:bodyPr/>
           <a:lstStyle/>
           <a:p>
-            <a:fld id="{D90D35FD-1092-4F8D-B25D-BE15C750813E}" type="slidenum">
+            <a:fld id="{B738935C-B800-47BF-A36F-1A7E28A967F9}" type="slidenum">
               <a:rPr lang="zh-CN" altLang="en-US" smtClean="0"/>
               <a:t>‹#›</a:t>
             </a:fld>
@@ -2127,7 +2127,7 @@
     </p:spTree>
     <p:extLst>
       <p:ext uri="{BB962C8B-B14F-4D97-AF65-F5344CB8AC3E}">
-        <p14:creationId xmlns:p14="http://schemas.microsoft.com/office/powerpoint/2010/main" val="2115489537"/>
+        <p14:creationId xmlns:p14="http://schemas.microsoft.com/office/powerpoint/2010/main" val="3884702810"/>
       </p:ext>
     </p:extLst>
   </p:cSld>
@@ -2159,7 +2159,7 @@
           <p:cNvPr id="2" name="标题 1">
             <a:extLst>
               <a:ext uri="{FF2B5EF4-FFF2-40B4-BE49-F238E27FC236}">
-                <a16:creationId xmlns:a16="http://schemas.microsoft.com/office/drawing/2014/main" id="{0C3CA35F-6961-A8E1-4CFA-F85B40ED1038}"/>
+                <a16:creationId xmlns:a16="http://schemas.microsoft.com/office/drawing/2014/main" id="{1571F199-FE16-AD30-9BC7-069565444614}"/>
               </a:ext>
             </a:extLst>
           </p:cNvPr>
@@ -2196,7 +2196,7 @@
           <p:cNvPr id="3" name="内容占位符 2">
             <a:extLst>
               <a:ext uri="{FF2B5EF4-FFF2-40B4-BE49-F238E27FC236}">
-                <a16:creationId xmlns:a16="http://schemas.microsoft.com/office/drawing/2014/main" id="{159A27F7-666F-0060-AEF3-8B7CB51A1A05}"/>
+                <a16:creationId xmlns:a16="http://schemas.microsoft.com/office/drawing/2014/main" id="{BABCD0E7-9C14-345F-3117-280EC4F71F33}"/>
               </a:ext>
             </a:extLst>
           </p:cNvPr>
@@ -2286,7 +2286,7 @@
           <p:cNvPr id="4" name="文本占位符 3">
             <a:extLst>
               <a:ext uri="{FF2B5EF4-FFF2-40B4-BE49-F238E27FC236}">
-                <a16:creationId xmlns:a16="http://schemas.microsoft.com/office/drawing/2014/main" id="{901461CD-0D02-C83E-9B8A-2023F29A6191}"/>
+                <a16:creationId xmlns:a16="http://schemas.microsoft.com/office/drawing/2014/main" id="{8EBDB157-2913-9D81-D5FB-3711B3856F24}"/>
               </a:ext>
             </a:extLst>
           </p:cNvPr>
@@ -2357,7 +2357,7 @@
           <p:cNvPr id="5" name="日期占位符 4">
             <a:extLst>
               <a:ext uri="{FF2B5EF4-FFF2-40B4-BE49-F238E27FC236}">
-                <a16:creationId xmlns:a16="http://schemas.microsoft.com/office/drawing/2014/main" id="{F6383750-B4FA-975C-6E8D-8F5692F002EB}"/>
+                <a16:creationId xmlns:a16="http://schemas.microsoft.com/office/drawing/2014/main" id="{9D10E7F7-6C2D-C7C5-E6C2-5D933E14ED8F}"/>
               </a:ext>
             </a:extLst>
           </p:cNvPr>
@@ -2373,7 +2373,7 @@
           <a:bodyPr/>
           <a:lstStyle/>
           <a:p>
-            <a:fld id="{C9DC0628-6D59-4F44-844F-EAE09ECD3395}" type="datetimeFigureOut">
+            <a:fld id="{62DB1A4F-D857-4C62-AB3A-87785D72CEFE}" type="datetimeFigureOut">
               <a:rPr lang="zh-CN" altLang="en-US" smtClean="0"/>
               <a:t>2024/3/10</a:t>
             </a:fld>
@@ -2386,7 +2386,7 @@
           <p:cNvPr id="6" name="页脚占位符 5">
             <a:extLst>
               <a:ext uri="{FF2B5EF4-FFF2-40B4-BE49-F238E27FC236}">
-                <a16:creationId xmlns:a16="http://schemas.microsoft.com/office/drawing/2014/main" id="{FB65A320-6D58-7CA3-FD50-976C5FB1124B}"/>
+                <a16:creationId xmlns:a16="http://schemas.microsoft.com/office/drawing/2014/main" id="{1BB397D4-3432-DB84-2675-7BC2FF94255B}"/>
               </a:ext>
             </a:extLst>
           </p:cNvPr>
@@ -2411,7 +2411,7 @@
           <p:cNvPr id="7" name="灯片编号占位符 6">
             <a:extLst>
               <a:ext uri="{FF2B5EF4-FFF2-40B4-BE49-F238E27FC236}">
-                <a16:creationId xmlns:a16="http://schemas.microsoft.com/office/drawing/2014/main" id="{69E6DE3A-AA4B-A5E7-05C4-DBF48D51811F}"/>
+                <a16:creationId xmlns:a16="http://schemas.microsoft.com/office/drawing/2014/main" id="{DC43EF3E-B9D3-3EFC-0BB9-3A55E8C4C208}"/>
               </a:ext>
             </a:extLst>
           </p:cNvPr>
@@ -2427,7 +2427,7 @@
           <a:bodyPr/>
           <a:lstStyle/>
           <a:p>
-            <a:fld id="{D90D35FD-1092-4F8D-B25D-BE15C750813E}" type="slidenum">
+            <a:fld id="{B738935C-B800-47BF-A36F-1A7E28A967F9}" type="slidenum">
               <a:rPr lang="zh-CN" altLang="en-US" smtClean="0"/>
               <a:t>‹#›</a:t>
             </a:fld>
@@ -2438,7 +2438,7 @@
     </p:spTree>
     <p:extLst>
       <p:ext uri="{BB962C8B-B14F-4D97-AF65-F5344CB8AC3E}">
-        <p14:creationId xmlns:p14="http://schemas.microsoft.com/office/powerpoint/2010/main" val="1963786374"/>
+        <p14:creationId xmlns:p14="http://schemas.microsoft.com/office/powerpoint/2010/main" val="1094081402"/>
       </p:ext>
     </p:extLst>
   </p:cSld>
@@ -2470,7 +2470,7 @@
           <p:cNvPr id="2" name="标题 1">
             <a:extLst>
               <a:ext uri="{FF2B5EF4-FFF2-40B4-BE49-F238E27FC236}">
-                <a16:creationId xmlns:a16="http://schemas.microsoft.com/office/drawing/2014/main" id="{B89019E5-1587-5A8E-B3AD-6045EE1A5CBA}"/>
+                <a16:creationId xmlns:a16="http://schemas.microsoft.com/office/drawing/2014/main" id="{AEA13C59-4AA5-3A89-F3AA-5C90C92CB317}"/>
               </a:ext>
             </a:extLst>
           </p:cNvPr>
@@ -2507,7 +2507,7 @@
           <p:cNvPr id="3" name="图片占位符 2">
             <a:extLst>
               <a:ext uri="{FF2B5EF4-FFF2-40B4-BE49-F238E27FC236}">
-                <a16:creationId xmlns:a16="http://schemas.microsoft.com/office/drawing/2014/main" id="{2D9942EA-461A-5792-8E61-90D6E6913C6C}"/>
+                <a16:creationId xmlns:a16="http://schemas.microsoft.com/office/drawing/2014/main" id="{C53E1A8B-E979-B7C2-EA24-C34F9C628AA3}"/>
               </a:ext>
             </a:extLst>
           </p:cNvPr>
@@ -2574,7 +2574,7 @@
           <p:cNvPr id="4" name="文本占位符 3">
             <a:extLst>
               <a:ext uri="{FF2B5EF4-FFF2-40B4-BE49-F238E27FC236}">
-                <a16:creationId xmlns:a16="http://schemas.microsoft.com/office/drawing/2014/main" id="{0341505F-ADE6-D160-70DE-5DCC0DF4CC2F}"/>
+                <a16:creationId xmlns:a16="http://schemas.microsoft.com/office/drawing/2014/main" id="{B6432305-1C0F-35DE-575B-819D1C2DA80C}"/>
               </a:ext>
             </a:extLst>
           </p:cNvPr>
@@ -2645,7 +2645,7 @@
           <p:cNvPr id="5" name="日期占位符 4">
             <a:extLst>
               <a:ext uri="{FF2B5EF4-FFF2-40B4-BE49-F238E27FC236}">
-                <a16:creationId xmlns:a16="http://schemas.microsoft.com/office/drawing/2014/main" id="{3C76C79F-B5D0-DA24-F57B-BEE2C278319B}"/>
+                <a16:creationId xmlns:a16="http://schemas.microsoft.com/office/drawing/2014/main" id="{4CE06226-9818-C64E-7B2D-CDC3BD03D640}"/>
               </a:ext>
             </a:extLst>
           </p:cNvPr>
@@ -2661,7 +2661,7 @@
           <a:bodyPr/>
           <a:lstStyle/>
           <a:p>
-            <a:fld id="{C9DC0628-6D59-4F44-844F-EAE09ECD3395}" type="datetimeFigureOut">
+            <a:fld id="{62DB1A4F-D857-4C62-AB3A-87785D72CEFE}" type="datetimeFigureOut">
               <a:rPr lang="zh-CN" altLang="en-US" smtClean="0"/>
               <a:t>2024/3/10</a:t>
             </a:fld>
@@ -2674,7 +2674,7 @@
           <p:cNvPr id="6" name="页脚占位符 5">
             <a:extLst>
               <a:ext uri="{FF2B5EF4-FFF2-40B4-BE49-F238E27FC236}">
-                <a16:creationId xmlns:a16="http://schemas.microsoft.com/office/drawing/2014/main" id="{6BBD99BC-F137-9A22-6F2B-EA343B8D28B5}"/>
+                <a16:creationId xmlns:a16="http://schemas.microsoft.com/office/drawing/2014/main" id="{A1596C44-2C6D-4746-ABE2-4AA925F4C668}"/>
               </a:ext>
             </a:extLst>
           </p:cNvPr>
@@ -2699,7 +2699,7 @@
           <p:cNvPr id="7" name="灯片编号占位符 6">
             <a:extLst>
               <a:ext uri="{FF2B5EF4-FFF2-40B4-BE49-F238E27FC236}">
-                <a16:creationId xmlns:a16="http://schemas.microsoft.com/office/drawing/2014/main" id="{03276E68-8805-8CAD-7A16-A0F21EEEF539}"/>
+                <a16:creationId xmlns:a16="http://schemas.microsoft.com/office/drawing/2014/main" id="{04FE6E6F-BEB8-EF2B-DF9D-E0D51E905B44}"/>
               </a:ext>
             </a:extLst>
           </p:cNvPr>
@@ -2715,7 +2715,7 @@
           <a:bodyPr/>
           <a:lstStyle/>
           <a:p>
-            <a:fld id="{D90D35FD-1092-4F8D-B25D-BE15C750813E}" type="slidenum">
+            <a:fld id="{B738935C-B800-47BF-A36F-1A7E28A967F9}" type="slidenum">
               <a:rPr lang="zh-CN" altLang="en-US" smtClean="0"/>
               <a:t>‹#›</a:t>
             </a:fld>
@@ -2726,7 +2726,7 @@
     </p:spTree>
     <p:extLst>
       <p:ext uri="{BB962C8B-B14F-4D97-AF65-F5344CB8AC3E}">
-        <p14:creationId xmlns:p14="http://schemas.microsoft.com/office/powerpoint/2010/main" val="1316776682"/>
+        <p14:creationId xmlns:p14="http://schemas.microsoft.com/office/powerpoint/2010/main" val="2237868527"/>
       </p:ext>
     </p:extLst>
   </p:cSld>
@@ -2763,7 +2763,7 @@
           <p:cNvPr id="2" name="标题占位符 1">
             <a:extLst>
               <a:ext uri="{FF2B5EF4-FFF2-40B4-BE49-F238E27FC236}">
-                <a16:creationId xmlns:a16="http://schemas.microsoft.com/office/drawing/2014/main" id="{1E989D37-3511-3905-293B-C0584FF51AC1}"/>
+                <a16:creationId xmlns:a16="http://schemas.microsoft.com/office/drawing/2014/main" id="{EA190B0A-D89A-227A-FD71-481681AC5397}"/>
               </a:ext>
             </a:extLst>
           </p:cNvPr>
@@ -2801,7 +2801,7 @@
           <p:cNvPr id="3" name="文本占位符 2">
             <a:extLst>
               <a:ext uri="{FF2B5EF4-FFF2-40B4-BE49-F238E27FC236}">
-                <a16:creationId xmlns:a16="http://schemas.microsoft.com/office/drawing/2014/main" id="{DCBFB812-E1C8-6B05-8B1C-1221D85D64E6}"/>
+                <a16:creationId xmlns:a16="http://schemas.microsoft.com/office/drawing/2014/main" id="{E2A56CAA-C439-55FC-D96E-A1DD72C23362}"/>
               </a:ext>
             </a:extLst>
           </p:cNvPr>
@@ -2868,7 +2868,7 @@
           <p:cNvPr id="4" name="日期占位符 3">
             <a:extLst>
               <a:ext uri="{FF2B5EF4-FFF2-40B4-BE49-F238E27FC236}">
-                <a16:creationId xmlns:a16="http://schemas.microsoft.com/office/drawing/2014/main" id="{5C73E2BD-7FD4-1226-670C-552B4DA72F0E}"/>
+                <a16:creationId xmlns:a16="http://schemas.microsoft.com/office/drawing/2014/main" id="{0AB5EE5E-A12F-56B7-E29E-2A3D550B761E}"/>
               </a:ext>
             </a:extLst>
           </p:cNvPr>
@@ -2902,7 +2902,7 @@
             </a:lvl1pPr>
           </a:lstStyle>
           <a:p>
-            <a:fld id="{C9DC0628-6D59-4F44-844F-EAE09ECD3395}" type="datetimeFigureOut">
+            <a:fld id="{62DB1A4F-D857-4C62-AB3A-87785D72CEFE}" type="datetimeFigureOut">
               <a:rPr lang="zh-CN" altLang="en-US" smtClean="0"/>
               <a:t>2024/3/10</a:t>
             </a:fld>
@@ -2915,7 +2915,7 @@
           <p:cNvPr id="5" name="页脚占位符 4">
             <a:extLst>
               <a:ext uri="{FF2B5EF4-FFF2-40B4-BE49-F238E27FC236}">
-                <a16:creationId xmlns:a16="http://schemas.microsoft.com/office/drawing/2014/main" id="{C027ED35-B9A2-DD22-093E-2AF4419FA5E7}"/>
+                <a16:creationId xmlns:a16="http://schemas.microsoft.com/office/drawing/2014/main" id="{F00E407E-5FD7-F53C-4D8B-87B5A0F81A91}"/>
               </a:ext>
             </a:extLst>
           </p:cNvPr>
@@ -2958,7 +2958,7 @@
           <p:cNvPr id="6" name="灯片编号占位符 5">
             <a:extLst>
               <a:ext uri="{FF2B5EF4-FFF2-40B4-BE49-F238E27FC236}">
-                <a16:creationId xmlns:a16="http://schemas.microsoft.com/office/drawing/2014/main" id="{7FBCD84F-562A-1E75-B7AF-EEC3AAD7085E}"/>
+                <a16:creationId xmlns:a16="http://schemas.microsoft.com/office/drawing/2014/main" id="{BF91A452-D5DC-2900-AB27-6BF0DBFA12CE}"/>
               </a:ext>
             </a:extLst>
           </p:cNvPr>
@@ -2992,7 +2992,7 @@
             </a:lvl1pPr>
           </a:lstStyle>
           <a:p>
-            <a:fld id="{D90D35FD-1092-4F8D-B25D-BE15C750813E}" type="slidenum">
+            <a:fld id="{B738935C-B800-47BF-A36F-1A7E28A967F9}" type="slidenum">
               <a:rPr lang="zh-CN" altLang="en-US" smtClean="0"/>
               <a:t>‹#›</a:t>
             </a:fld>
@@ -3003,7 +3003,7 @@
     </p:spTree>
     <p:extLst>
       <p:ext uri="{BB962C8B-B14F-4D97-AF65-F5344CB8AC3E}">
-        <p14:creationId xmlns:p14="http://schemas.microsoft.com/office/powerpoint/2010/main" val="234579955"/>
+        <p14:creationId xmlns:p14="http://schemas.microsoft.com/office/powerpoint/2010/main" val="3545302586"/>
       </p:ext>
     </p:extLst>
   </p:cSld>
@@ -3323,7 +3323,7 @@
       </p:grpSpPr>
       <p:pic>
         <p:nvPicPr>
-          <p:cNvPr id="1200130" name="Picture 2" descr="1171"/>
+          <p:cNvPr id="1201154" name="Picture 2" descr="1172"/>
           <p:cNvPicPr>
             <a:picLocks noChangeAspect="1" noChangeArrowheads="1"/>
           </p:cNvPicPr>
@@ -3344,8 +3344,8 @@
         </p:blipFill>
         <p:spPr bwMode="auto">
           <a:xfrm>
-            <a:off x="1524000" y="0"/>
-            <a:ext cx="9144000" cy="6858000"/>
+            <a:off x="1524000" y="1"/>
+            <a:ext cx="9124950" cy="6843713"/>
           </a:xfrm>
           <a:prstGeom prst="rect">
             <a:avLst/>
